--- a/Color-Classifier.pptx
+++ b/Color-Classifier.pptx
@@ -3350,7 +3350,15 @@
           <a:lstStyle/>
           <a:p>
             <a:r>
-              <a:rPr lang="en-US" dirty="0"/>
+              <a:rPr lang="en-US" dirty="0">
+                <a:solidFill>
+                  <a:schemeClr val="accent1">
+                    <a:lumMod val="50000"/>
+                  </a:schemeClr>
+                </a:solidFill>
+                <a:latin typeface="Times New Roman" panose="02020603050405020304" pitchFamily="18" charset="0"/>
+                <a:cs typeface="Times New Roman" panose="02020603050405020304" pitchFamily="18" charset="0"/>
+              </a:rPr>
               <a:t>Color Classifier</a:t>
             </a:r>
           </a:p>
@@ -3378,7 +3386,15 @@
           <a:lstStyle/>
           <a:p>
             <a:r>
-              <a:rPr lang="en-US" dirty="0"/>
+              <a:rPr lang="en-US" dirty="0">
+                <a:solidFill>
+                  <a:schemeClr val="accent1">
+                    <a:lumMod val="75000"/>
+                  </a:schemeClr>
+                </a:solidFill>
+                <a:latin typeface="Times New Roman" panose="02020603050405020304" pitchFamily="18" charset="0"/>
+                <a:cs typeface="Times New Roman" panose="02020603050405020304" pitchFamily="18" charset="0"/>
+              </a:rPr>
               <a:t>by Adil Naqvi &amp; Karishma Ali</a:t>
             </a:r>
           </a:p>
@@ -3436,7 +3452,15 @@
           <a:lstStyle/>
           <a:p>
             <a:r>
-              <a:rPr lang="en-US" dirty="0"/>
+              <a:rPr lang="en-US" dirty="0">
+                <a:solidFill>
+                  <a:schemeClr val="accent1">
+                    <a:lumMod val="50000"/>
+                  </a:schemeClr>
+                </a:solidFill>
+                <a:latin typeface="Times New Roman" panose="02020603050405020304" pitchFamily="18" charset="0"/>
+                <a:cs typeface="Times New Roman" panose="02020603050405020304" pitchFamily="18" charset="0"/>
+              </a:rPr>
               <a:t>The Problem</a:t>
             </a:r>
           </a:p>
@@ -3464,19 +3488,43 @@
           <a:lstStyle/>
           <a:p>
             <a:r>
-              <a:rPr lang="en-US" dirty="0"/>
+              <a:rPr lang="en-US" dirty="0">
+                <a:solidFill>
+                  <a:schemeClr val="accent1">
+                    <a:lumMod val="75000"/>
+                  </a:schemeClr>
+                </a:solidFill>
+                <a:latin typeface="Times New Roman" panose="02020603050405020304" pitchFamily="18" charset="0"/>
+                <a:cs typeface="Times New Roman" panose="02020603050405020304" pitchFamily="18" charset="0"/>
+              </a:rPr>
               <a:t>Around 16 million colors in RGB space</a:t>
             </a:r>
           </a:p>
           <a:p>
             <a:r>
-              <a:rPr lang="en-US" dirty="0"/>
+              <a:rPr lang="en-US" dirty="0">
+                <a:solidFill>
+                  <a:schemeClr val="accent1">
+                    <a:lumMod val="75000"/>
+                  </a:schemeClr>
+                </a:solidFill>
+                <a:latin typeface="Times New Roman" panose="02020603050405020304" pitchFamily="18" charset="0"/>
+                <a:cs typeface="Times New Roman" panose="02020603050405020304" pitchFamily="18" charset="0"/>
+              </a:rPr>
               <a:t>Difficult to classify each RGB value manually</a:t>
             </a:r>
           </a:p>
           <a:p>
             <a:r>
-              <a:rPr lang="en-US" dirty="0"/>
+              <a:rPr lang="en-US" dirty="0">
+                <a:solidFill>
+                  <a:schemeClr val="accent1">
+                    <a:lumMod val="75000"/>
+                  </a:schemeClr>
+                </a:solidFill>
+                <a:latin typeface="Times New Roman" panose="02020603050405020304" pitchFamily="18" charset="0"/>
+                <a:cs typeface="Times New Roman" panose="02020603050405020304" pitchFamily="18" charset="0"/>
+              </a:rPr>
               <a:t>Need of a classifier</a:t>
             </a:r>
           </a:p>
@@ -3579,7 +3627,15 @@
           <a:lstStyle/>
           <a:p>
             <a:r>
-              <a:rPr lang="en-US" dirty="0"/>
+              <a:rPr lang="en-US" dirty="0">
+                <a:solidFill>
+                  <a:schemeClr val="accent1">
+                    <a:lumMod val="50000"/>
+                  </a:schemeClr>
+                </a:solidFill>
+                <a:latin typeface="Times New Roman" panose="02020603050405020304" pitchFamily="18" charset="0"/>
+                <a:cs typeface="Times New Roman" panose="02020603050405020304" pitchFamily="18" charset="0"/>
+              </a:rPr>
               <a:t>The Solution</a:t>
             </a:r>
           </a:p>
@@ -3607,7 +3663,15 @@
           <a:lstStyle/>
           <a:p>
             <a:r>
-              <a:rPr lang="en-US" dirty="0"/>
+              <a:rPr lang="en-US" dirty="0">
+                <a:solidFill>
+                  <a:schemeClr val="accent1">
+                    <a:lumMod val="75000"/>
+                  </a:schemeClr>
+                </a:solidFill>
+                <a:latin typeface="Times New Roman" panose="02020603050405020304" pitchFamily="18" charset="0"/>
+                <a:cs typeface="Times New Roman" panose="02020603050405020304" pitchFamily="18" charset="0"/>
+              </a:rPr>
               <a:t>3 steps</a:t>
             </a:r>
           </a:p>
@@ -3695,7 +3759,15 @@
           <a:lstStyle/>
           <a:p>
             <a:r>
-              <a:rPr lang="en-US" dirty="0"/>
+              <a:rPr lang="en-US" dirty="0">
+                <a:solidFill>
+                  <a:schemeClr val="accent1">
+                    <a:lumMod val="50000"/>
+                  </a:schemeClr>
+                </a:solidFill>
+                <a:latin typeface="Times New Roman" panose="02020603050405020304" pitchFamily="18" charset="0"/>
+                <a:cs typeface="Times New Roman" panose="02020603050405020304" pitchFamily="18" charset="0"/>
+              </a:rPr>
               <a:t>Data Collection</a:t>
             </a:r>
           </a:p>
@@ -3719,48 +3791,164 @@
         </p:nvSpPr>
         <p:spPr>
           <a:xfrm>
-            <a:off x="838200" y="1825625"/>
-            <a:ext cx="10515600" cy="2044010"/>
+            <a:off x="838200" y="1825624"/>
+            <a:ext cx="10515600" cy="2772879"/>
           </a:xfrm>
         </p:spPr>
         <p:txBody>
           <a:bodyPr>
-            <a:normAutofit fontScale="92500" lnSpcReduction="20000"/>
+            <a:normAutofit/>
           </a:bodyPr>
           <a:lstStyle/>
           <a:p>
-            <a:r>
-              <a:rPr lang="en-US" dirty="0"/>
+            <a:pPr>
+              <a:lnSpc>
+                <a:spcPct val="100000"/>
+              </a:lnSpc>
+              <a:spcBef>
+                <a:spcPct val="0"/>
+              </a:spcBef>
+            </a:pPr>
+            <a:r>
+              <a:rPr lang="en-US" sz="2400" dirty="0">
+                <a:solidFill>
+                  <a:schemeClr val="accent1">
+                    <a:lumMod val="50000"/>
+                  </a:schemeClr>
+                </a:solidFill>
+                <a:latin typeface="Times New Roman" panose="02020603050405020304" pitchFamily="18" charset="0"/>
+                <a:ea typeface="+mj-ea"/>
+                <a:cs typeface="Times New Roman" panose="02020603050405020304" pitchFamily="18" charset="0"/>
+              </a:rPr>
               <a:t>Crowd-sourcing data</a:t>
             </a:r>
           </a:p>
           <a:p>
-            <a:pPr lvl="1"/>
-            <a:r>
-              <a:rPr lang="en-US" dirty="0"/>
+            <a:pPr lvl="1">
+              <a:lnSpc>
+                <a:spcPct val="100000"/>
+              </a:lnSpc>
+              <a:spcBef>
+                <a:spcPct val="0"/>
+              </a:spcBef>
+            </a:pPr>
+            <a:r>
+              <a:rPr lang="en-US" sz="2000" dirty="0">
+                <a:solidFill>
+                  <a:schemeClr val="accent1">
+                    <a:lumMod val="50000"/>
+                  </a:schemeClr>
+                </a:solidFill>
+                <a:latin typeface="Times New Roman" panose="02020603050405020304" pitchFamily="18" charset="0"/>
+                <a:ea typeface="+mj-ea"/>
+                <a:cs typeface="Times New Roman" panose="02020603050405020304" pitchFamily="18" charset="0"/>
+              </a:rPr>
               <a:t>RGB value + color label</a:t>
             </a:r>
           </a:p>
           <a:p>
-            <a:r>
-              <a:rPr lang="en-US" dirty="0" err="1"/>
+            <a:pPr>
+              <a:lnSpc>
+                <a:spcPct val="100000"/>
+              </a:lnSpc>
+              <a:spcBef>
+                <a:spcPct val="0"/>
+              </a:spcBef>
+            </a:pPr>
+            <a:r>
+              <a:rPr lang="en-US" sz="2400" dirty="0" err="1">
+                <a:solidFill>
+                  <a:schemeClr val="accent1">
+                    <a:lumMod val="50000"/>
+                  </a:schemeClr>
+                </a:solidFill>
+                <a:latin typeface="Times New Roman" panose="02020603050405020304" pitchFamily="18" charset="0"/>
+                <a:ea typeface="+mj-ea"/>
+                <a:cs typeface="Times New Roman" panose="02020603050405020304" pitchFamily="18" charset="0"/>
+              </a:rPr>
               <a:t>Github</a:t>
             </a:r>
             <a:r>
-              <a:rPr lang="en-US" dirty="0"/>
+              <a:rPr lang="en-US" sz="2400" dirty="0">
+                <a:solidFill>
+                  <a:schemeClr val="accent1">
+                    <a:lumMod val="50000"/>
+                  </a:schemeClr>
+                </a:solidFill>
+                <a:latin typeface="Times New Roman" panose="02020603050405020304" pitchFamily="18" charset="0"/>
+                <a:ea typeface="+mj-ea"/>
+                <a:cs typeface="Times New Roman" panose="02020603050405020304" pitchFamily="18" charset="0"/>
+              </a:rPr>
               <a:t> (hosting) + Firebase (database)</a:t>
             </a:r>
           </a:p>
           <a:p>
-            <a:r>
-              <a:rPr lang="en-US" dirty="0"/>
+            <a:pPr>
+              <a:lnSpc>
+                <a:spcPct val="100000"/>
+              </a:lnSpc>
+              <a:spcBef>
+                <a:spcPct val="0"/>
+              </a:spcBef>
+            </a:pPr>
+            <a:r>
+              <a:rPr lang="en-US" sz="2400" dirty="0">
+                <a:solidFill>
+                  <a:schemeClr val="accent1">
+                    <a:lumMod val="50000"/>
+                  </a:schemeClr>
+                </a:solidFill>
+                <a:latin typeface="Times New Roman" panose="02020603050405020304" pitchFamily="18" charset="0"/>
+                <a:ea typeface="+mj-ea"/>
+                <a:cs typeface="Times New Roman" panose="02020603050405020304" pitchFamily="18" charset="0"/>
+              </a:rPr>
               <a:t>sahnbk.github.com</a:t>
             </a:r>
           </a:p>
           <a:p>
-            <a:r>
-              <a:rPr lang="en-US" dirty="0"/>
+            <a:pPr>
+              <a:lnSpc>
+                <a:spcPct val="100000"/>
+              </a:lnSpc>
+              <a:spcBef>
+                <a:spcPct val="0"/>
+              </a:spcBef>
+            </a:pPr>
+            <a:r>
+              <a:rPr lang="en-US" sz="2400" dirty="0">
+                <a:solidFill>
+                  <a:schemeClr val="accent1">
+                    <a:lumMod val="50000"/>
+                  </a:schemeClr>
+                </a:solidFill>
+                <a:latin typeface="Times New Roman" panose="02020603050405020304" pitchFamily="18" charset="0"/>
+                <a:ea typeface="+mj-ea"/>
+                <a:cs typeface="Times New Roman" panose="02020603050405020304" pitchFamily="18" charset="0"/>
+              </a:rPr>
               <a:t>5000+ responses</a:t>
+            </a:r>
+          </a:p>
+          <a:p>
+            <a:pPr>
+              <a:lnSpc>
+                <a:spcPct val="100000"/>
+              </a:lnSpc>
+              <a:spcBef>
+                <a:spcPct val="0"/>
+              </a:spcBef>
+            </a:pPr>
+            <a:r>
+              <a:rPr lang="en-US" sz="2400" dirty="0">
+                <a:solidFill>
+                  <a:schemeClr val="accent1">
+                    <a:lumMod val="50000"/>
+                  </a:schemeClr>
+                </a:solidFill>
+                <a:latin typeface="Times New Roman" panose="02020603050405020304" pitchFamily="18" charset="0"/>
+                <a:ea typeface="+mj-ea"/>
+                <a:cs typeface="Times New Roman" panose="02020603050405020304" pitchFamily="18" charset="0"/>
+              </a:rPr>
+              <a:t>9 classes</a:t>
             </a:r>
           </a:p>
         </p:txBody>
@@ -3779,7 +3967,7 @@
         </p:nvSpPr>
         <p:spPr>
           <a:xfrm>
-            <a:off x="1875182" y="4598504"/>
+            <a:off x="1994452" y="5234608"/>
             <a:ext cx="8441636" cy="707886"/>
           </a:xfrm>
           <a:prstGeom prst="rect">
@@ -4027,7 +4215,15 @@
           <a:lstStyle/>
           <a:p>
             <a:r>
-              <a:rPr lang="en-US" dirty="0"/>
+              <a:rPr lang="en-US" dirty="0">
+                <a:solidFill>
+                  <a:schemeClr val="accent1">
+                    <a:lumMod val="50000"/>
+                  </a:schemeClr>
+                </a:solidFill>
+                <a:latin typeface="Times New Roman" panose="02020603050405020304" pitchFamily="18" charset="0"/>
+                <a:cs typeface="Times New Roman" panose="02020603050405020304" pitchFamily="18" charset="0"/>
+              </a:rPr>
               <a:t>Preprocessing</a:t>
             </a:r>
           </a:p>
@@ -4055,7 +4251,15 @@
           <a:lstStyle/>
           <a:p>
             <a:r>
-              <a:rPr lang="en-US" dirty="0"/>
+              <a:rPr lang="en-US" dirty="0">
+                <a:solidFill>
+                  <a:schemeClr val="accent1">
+                    <a:lumMod val="75000"/>
+                  </a:schemeClr>
+                </a:solidFill>
+                <a:latin typeface="Times New Roman" panose="02020603050405020304" pitchFamily="18" charset="0"/>
+                <a:cs typeface="Times New Roman" panose="02020603050405020304" pitchFamily="18" charset="0"/>
+              </a:rPr>
               <a:t>Cleaning (done manually)</a:t>
             </a:r>
           </a:p>
@@ -4091,13 +4295,29 @@
           </a:p>
           <a:p>
             <a:r>
-              <a:rPr lang="en-US" dirty="0"/>
+              <a:rPr lang="en-US" dirty="0">
+                <a:solidFill>
+                  <a:schemeClr val="accent1">
+                    <a:lumMod val="75000"/>
+                  </a:schemeClr>
+                </a:solidFill>
+                <a:latin typeface="Times New Roman" panose="02020603050405020304" pitchFamily="18" charset="0"/>
+                <a:cs typeface="Times New Roman" panose="02020603050405020304" pitchFamily="18" charset="0"/>
+              </a:rPr>
               <a:t>Approx. 4800 entries after cleaning</a:t>
             </a:r>
           </a:p>
           <a:p>
             <a:r>
-              <a:rPr lang="en-US" dirty="0"/>
+              <a:rPr lang="en-US" dirty="0">
+                <a:solidFill>
+                  <a:schemeClr val="accent1">
+                    <a:lumMod val="75000"/>
+                  </a:schemeClr>
+                </a:solidFill>
+                <a:latin typeface="Times New Roman" panose="02020603050405020304" pitchFamily="18" charset="0"/>
+                <a:cs typeface="Times New Roman" panose="02020603050405020304" pitchFamily="18" charset="0"/>
+              </a:rPr>
               <a:t>Converted to .csv file</a:t>
             </a:r>
           </a:p>
@@ -4395,7 +4615,15 @@
           <a:lstStyle/>
           <a:p>
             <a:r>
-              <a:rPr lang="en-US" dirty="0"/>
+              <a:rPr lang="en-US" dirty="0">
+                <a:solidFill>
+                  <a:schemeClr val="accent1">
+                    <a:lumMod val="50000"/>
+                  </a:schemeClr>
+                </a:solidFill>
+                <a:latin typeface="Times New Roman" panose="02020603050405020304" pitchFamily="18" charset="0"/>
+                <a:cs typeface="Times New Roman" panose="02020603050405020304" pitchFamily="18" charset="0"/>
+              </a:rPr>
               <a:t>Building a classifier</a:t>
             </a:r>
           </a:p>
@@ -4423,9 +4651,113 @@
           <a:lstStyle/>
           <a:p>
             <a:r>
-              <a:rPr lang="en-US" dirty="0"/>
+              <a:rPr lang="en-US" dirty="0">
+                <a:solidFill>
+                  <a:schemeClr val="accent1">
+                    <a:lumMod val="75000"/>
+                  </a:schemeClr>
+                </a:solidFill>
+                <a:latin typeface="Times New Roman" panose="02020603050405020304" pitchFamily="18" charset="0"/>
+                <a:cs typeface="Times New Roman" panose="02020603050405020304" pitchFamily="18" charset="0"/>
+              </a:rPr>
               <a:t>Neural network classifier</a:t>
             </a:r>
+          </a:p>
+          <a:p>
+            <a:r>
+              <a:rPr lang="en-US" dirty="0">
+                <a:solidFill>
+                  <a:schemeClr val="accent1">
+                    <a:lumMod val="75000"/>
+                  </a:schemeClr>
+                </a:solidFill>
+                <a:latin typeface="Times New Roman" panose="02020603050405020304" pitchFamily="18" charset="0"/>
+                <a:cs typeface="Times New Roman" panose="02020603050405020304" pitchFamily="18" charset="0"/>
+              </a:rPr>
+              <a:t>1 input layer (3 nodes)</a:t>
+            </a:r>
+          </a:p>
+          <a:p>
+            <a:r>
+              <a:rPr lang="en-US" dirty="0">
+                <a:solidFill>
+                  <a:schemeClr val="accent1">
+                    <a:lumMod val="75000"/>
+                  </a:schemeClr>
+                </a:solidFill>
+                <a:latin typeface="Times New Roman" panose="02020603050405020304" pitchFamily="18" charset="0"/>
+                <a:cs typeface="Times New Roman" panose="02020603050405020304" pitchFamily="18" charset="0"/>
+              </a:rPr>
+              <a:t>1 hidden layer (6* nodes)</a:t>
+            </a:r>
+          </a:p>
+          <a:p>
+            <a:r>
+              <a:rPr lang="en-US" dirty="0">
+                <a:solidFill>
+                  <a:schemeClr val="accent1">
+                    <a:lumMod val="75000"/>
+                  </a:schemeClr>
+                </a:solidFill>
+                <a:latin typeface="Times New Roman" panose="02020603050405020304" pitchFamily="18" charset="0"/>
+                <a:cs typeface="Times New Roman" panose="02020603050405020304" pitchFamily="18" charset="0"/>
+              </a:rPr>
+              <a:t>1 output nodes (9 nodes)</a:t>
+            </a:r>
+          </a:p>
+          <a:p>
+            <a:endParaRPr lang="en-US" dirty="0"/>
+          </a:p>
+          <a:p>
+            <a:endParaRPr lang="en-US" dirty="0"/>
+          </a:p>
+        </p:txBody>
+      </p:sp>
+      <p:sp>
+        <p:nvSpPr>
+          <p:cNvPr id="4" name="TextBox 3">
+            <a:extLst>
+              <a:ext uri="{FF2B5EF4-FFF2-40B4-BE49-F238E27FC236}">
+                <a16:creationId xmlns:a16="http://schemas.microsoft.com/office/drawing/2014/main" id="{666113E0-AB19-4954-B6A1-C607554263C1}"/>
+              </a:ext>
+            </a:extLst>
+          </p:cNvPr>
+          <p:cNvSpPr txBox="1"/>
+          <p:nvPr/>
+        </p:nvSpPr>
+        <p:spPr>
+          <a:xfrm>
+            <a:off x="980660" y="5788680"/>
+            <a:ext cx="10230679" cy="523220"/>
+          </a:xfrm>
+          <a:prstGeom prst="rect">
+            <a:avLst/>
+          </a:prstGeom>
+          <a:noFill/>
+        </p:spPr>
+        <p:txBody>
+          <a:bodyPr wrap="square" rtlCol="0">
+            <a:spAutoFit/>
+          </a:bodyPr>
+          <a:lstStyle/>
+          <a:p>
+            <a:r>
+              <a:rPr lang="en-US" sz="1400" dirty="0"/>
+              <a:t>*Jeff Heaton, Introduction to Neural Network in Java</a:t>
+            </a:r>
+          </a:p>
+          <a:p>
+            <a:r>
+              <a:rPr lang="en-US" sz="1400" dirty="0"/>
+              <a:t>*</a:t>
+            </a:r>
+            <a:r>
+              <a:rPr lang="en-US" sz="1400" dirty="0">
+                <a:hlinkClick r:id="rId2"/>
+              </a:rPr>
+              <a:t>https://stats.stackexchange.com/questions/181/how-to-choose-the-number-of-hidden-layers-and-nodes-in-a-feedforward-neural-netw</a:t>
+            </a:r>
+            <a:endParaRPr lang="en-US" sz="1400" dirty="0"/>
           </a:p>
         </p:txBody>
       </p:sp>
@@ -4481,7 +4813,15 @@
           <a:lstStyle/>
           <a:p>
             <a:r>
-              <a:rPr lang="en-US" dirty="0"/>
+              <a:rPr lang="en-US" dirty="0">
+                <a:solidFill>
+                  <a:schemeClr val="accent1">
+                    <a:lumMod val="50000"/>
+                  </a:schemeClr>
+                </a:solidFill>
+                <a:latin typeface="Times New Roman" panose="02020603050405020304" pitchFamily="18" charset="0"/>
+                <a:cs typeface="Times New Roman" panose="02020603050405020304" pitchFamily="18" charset="0"/>
+              </a:rPr>
               <a:t>Results</a:t>
             </a:r>
           </a:p>
@@ -4508,7 +4848,399 @@
           <a:bodyPr/>
           <a:lstStyle/>
           <a:p>
-            <a:endParaRPr lang="en-US" dirty="0"/>
+            <a:r>
+              <a:rPr lang="en-US" dirty="0">
+                <a:solidFill>
+                  <a:schemeClr val="accent1">
+                    <a:lumMod val="75000"/>
+                  </a:schemeClr>
+                </a:solidFill>
+                <a:latin typeface="Times New Roman" panose="02020603050405020304" pitchFamily="18" charset="0"/>
+                <a:cs typeface="Times New Roman" panose="02020603050405020304" pitchFamily="18" charset="0"/>
+              </a:rPr>
+              <a:t>Efficiency measures</a:t>
+            </a:r>
+          </a:p>
+          <a:p>
+            <a:pPr lvl="1"/>
+            <a:r>
+              <a:rPr lang="en-US" dirty="0">
+                <a:solidFill>
+                  <a:schemeClr val="accent1">
+                    <a:lumMod val="75000"/>
+                  </a:schemeClr>
+                </a:solidFill>
+                <a:latin typeface="Times New Roman" panose="02020603050405020304" pitchFamily="18" charset="0"/>
+                <a:cs typeface="Times New Roman" panose="02020603050405020304" pitchFamily="18" charset="0"/>
+              </a:rPr>
+              <a:t>Accuracy (83.1%)</a:t>
+            </a:r>
+          </a:p>
+          <a:p>
+            <a:pPr lvl="1"/>
+            <a:r>
+              <a:rPr lang="en-US" dirty="0">
+                <a:solidFill>
+                  <a:schemeClr val="accent1">
+                    <a:lumMod val="75000"/>
+                  </a:schemeClr>
+                </a:solidFill>
+                <a:latin typeface="Times New Roman" panose="02020603050405020304" pitchFamily="18" charset="0"/>
+                <a:cs typeface="Times New Roman" panose="02020603050405020304" pitchFamily="18" charset="0"/>
+              </a:rPr>
+              <a:t>F1 scores</a:t>
+            </a:r>
+          </a:p>
+          <a:p>
+            <a:pPr lvl="2"/>
+            <a:r>
+              <a:rPr lang="en-US" dirty="0">
+                <a:solidFill>
+                  <a:schemeClr val="accent1">
+                    <a:lumMod val="75000"/>
+                  </a:schemeClr>
+                </a:solidFill>
+                <a:latin typeface="Times New Roman" panose="02020603050405020304" pitchFamily="18" charset="0"/>
+                <a:cs typeface="Times New Roman" panose="02020603050405020304" pitchFamily="18" charset="0"/>
+              </a:rPr>
+              <a:t>blue-</a:t>
+            </a:r>
+            <a:r>
+              <a:rPr lang="en-US" dirty="0" err="1">
+                <a:solidFill>
+                  <a:schemeClr val="accent1">
+                    <a:lumMod val="75000"/>
+                  </a:schemeClr>
+                </a:solidFill>
+                <a:latin typeface="Times New Roman" panose="02020603050405020304" pitchFamily="18" charset="0"/>
+                <a:cs typeface="Times New Roman" panose="02020603050405020304" pitchFamily="18" charset="0"/>
+              </a:rPr>
+              <a:t>ish</a:t>
+            </a:r>
+            <a:r>
+              <a:rPr lang="en-US" dirty="0">
+                <a:solidFill>
+                  <a:schemeClr val="accent1">
+                    <a:lumMod val="75000"/>
+                  </a:schemeClr>
+                </a:solidFill>
+                <a:latin typeface="Times New Roman" panose="02020603050405020304" pitchFamily="18" charset="0"/>
+                <a:cs typeface="Times New Roman" panose="02020603050405020304" pitchFamily="18" charset="0"/>
+              </a:rPr>
+              <a:t> = 0.88</a:t>
+            </a:r>
+          </a:p>
+          <a:p>
+            <a:pPr lvl="2"/>
+            <a:r>
+              <a:rPr lang="en-US" dirty="0">
+                <a:solidFill>
+                  <a:schemeClr val="accent1">
+                    <a:lumMod val="75000"/>
+                  </a:schemeClr>
+                </a:solidFill>
+                <a:latin typeface="Times New Roman" panose="02020603050405020304" pitchFamily="18" charset="0"/>
+                <a:cs typeface="Times New Roman" panose="02020603050405020304" pitchFamily="18" charset="0"/>
+              </a:rPr>
+              <a:t>brown-</a:t>
+            </a:r>
+            <a:r>
+              <a:rPr lang="en-US" dirty="0" err="1">
+                <a:solidFill>
+                  <a:schemeClr val="accent1">
+                    <a:lumMod val="75000"/>
+                  </a:schemeClr>
+                </a:solidFill>
+                <a:latin typeface="Times New Roman" panose="02020603050405020304" pitchFamily="18" charset="0"/>
+                <a:cs typeface="Times New Roman" panose="02020603050405020304" pitchFamily="18" charset="0"/>
+              </a:rPr>
+              <a:t>ish</a:t>
+            </a:r>
+            <a:r>
+              <a:rPr lang="en-US" dirty="0">
+                <a:solidFill>
+                  <a:schemeClr val="accent1">
+                    <a:lumMod val="75000"/>
+                  </a:schemeClr>
+                </a:solidFill>
+                <a:latin typeface="Times New Roman" panose="02020603050405020304" pitchFamily="18" charset="0"/>
+                <a:cs typeface="Times New Roman" panose="02020603050405020304" pitchFamily="18" charset="0"/>
+              </a:rPr>
+              <a:t> = 0.74</a:t>
+            </a:r>
+          </a:p>
+          <a:p>
+            <a:pPr lvl="2"/>
+            <a:r>
+              <a:rPr lang="en-US" dirty="0">
+                <a:solidFill>
+                  <a:schemeClr val="accent1">
+                    <a:lumMod val="75000"/>
+                  </a:schemeClr>
+                </a:solidFill>
+                <a:latin typeface="Times New Roman" panose="02020603050405020304" pitchFamily="18" charset="0"/>
+                <a:cs typeface="Times New Roman" panose="02020603050405020304" pitchFamily="18" charset="0"/>
+              </a:rPr>
+              <a:t>green-</a:t>
+            </a:r>
+            <a:r>
+              <a:rPr lang="en-US" dirty="0" err="1">
+                <a:solidFill>
+                  <a:schemeClr val="accent1">
+                    <a:lumMod val="75000"/>
+                  </a:schemeClr>
+                </a:solidFill>
+                <a:latin typeface="Times New Roman" panose="02020603050405020304" pitchFamily="18" charset="0"/>
+                <a:cs typeface="Times New Roman" panose="02020603050405020304" pitchFamily="18" charset="0"/>
+              </a:rPr>
+              <a:t>ish</a:t>
+            </a:r>
+            <a:r>
+              <a:rPr lang="en-US" dirty="0">
+                <a:solidFill>
+                  <a:schemeClr val="accent1">
+                    <a:lumMod val="75000"/>
+                  </a:schemeClr>
+                </a:solidFill>
+                <a:latin typeface="Times New Roman" panose="02020603050405020304" pitchFamily="18" charset="0"/>
+                <a:cs typeface="Times New Roman" panose="02020603050405020304" pitchFamily="18" charset="0"/>
+              </a:rPr>
+              <a:t> = 0.93</a:t>
+            </a:r>
+          </a:p>
+          <a:p>
+            <a:pPr lvl="2"/>
+            <a:r>
+              <a:rPr lang="en-US" dirty="0">
+                <a:solidFill>
+                  <a:schemeClr val="accent1">
+                    <a:lumMod val="75000"/>
+                  </a:schemeClr>
+                </a:solidFill>
+                <a:latin typeface="Times New Roman" panose="02020603050405020304" pitchFamily="18" charset="0"/>
+                <a:cs typeface="Times New Roman" panose="02020603050405020304" pitchFamily="18" charset="0"/>
+              </a:rPr>
+              <a:t>grey-</a:t>
+            </a:r>
+            <a:r>
+              <a:rPr lang="en-US" dirty="0" err="1">
+                <a:solidFill>
+                  <a:schemeClr val="accent1">
+                    <a:lumMod val="75000"/>
+                  </a:schemeClr>
+                </a:solidFill>
+                <a:latin typeface="Times New Roman" panose="02020603050405020304" pitchFamily="18" charset="0"/>
+                <a:cs typeface="Times New Roman" panose="02020603050405020304" pitchFamily="18" charset="0"/>
+              </a:rPr>
+              <a:t>ish</a:t>
+            </a:r>
+            <a:r>
+              <a:rPr lang="en-US" dirty="0">
+                <a:solidFill>
+                  <a:schemeClr val="accent1">
+                    <a:lumMod val="75000"/>
+                  </a:schemeClr>
+                </a:solidFill>
+                <a:latin typeface="Times New Roman" panose="02020603050405020304" pitchFamily="18" charset="0"/>
+                <a:cs typeface="Times New Roman" panose="02020603050405020304" pitchFamily="18" charset="0"/>
+              </a:rPr>
+              <a:t> = 0.37</a:t>
+            </a:r>
+          </a:p>
+          <a:p>
+            <a:pPr lvl="2"/>
+            <a:r>
+              <a:rPr lang="en-US" dirty="0">
+                <a:solidFill>
+                  <a:schemeClr val="accent1">
+                    <a:lumMod val="75000"/>
+                  </a:schemeClr>
+                </a:solidFill>
+                <a:latin typeface="Times New Roman" panose="02020603050405020304" pitchFamily="18" charset="0"/>
+                <a:cs typeface="Times New Roman" panose="02020603050405020304" pitchFamily="18" charset="0"/>
+              </a:rPr>
+              <a:t>orange-</a:t>
+            </a:r>
+            <a:r>
+              <a:rPr lang="en-US" dirty="0" err="1">
+                <a:solidFill>
+                  <a:schemeClr val="accent1">
+                    <a:lumMod val="75000"/>
+                  </a:schemeClr>
+                </a:solidFill>
+                <a:latin typeface="Times New Roman" panose="02020603050405020304" pitchFamily="18" charset="0"/>
+                <a:cs typeface="Times New Roman" panose="02020603050405020304" pitchFamily="18" charset="0"/>
+              </a:rPr>
+              <a:t>ish</a:t>
+            </a:r>
+            <a:r>
+              <a:rPr lang="en-US" dirty="0">
+                <a:solidFill>
+                  <a:schemeClr val="accent1">
+                    <a:lumMod val="75000"/>
+                  </a:schemeClr>
+                </a:solidFill>
+                <a:latin typeface="Times New Roman" panose="02020603050405020304" pitchFamily="18" charset="0"/>
+                <a:cs typeface="Times New Roman" panose="02020603050405020304" pitchFamily="18" charset="0"/>
+              </a:rPr>
+              <a:t> = 0.68</a:t>
+            </a:r>
+          </a:p>
+          <a:p>
+            <a:pPr lvl="2"/>
+            <a:r>
+              <a:rPr lang="en-US" dirty="0">
+                <a:solidFill>
+                  <a:schemeClr val="accent1">
+                    <a:lumMod val="75000"/>
+                  </a:schemeClr>
+                </a:solidFill>
+                <a:latin typeface="Times New Roman" panose="02020603050405020304" pitchFamily="18" charset="0"/>
+                <a:cs typeface="Times New Roman" panose="02020603050405020304" pitchFamily="18" charset="0"/>
+              </a:rPr>
+              <a:t>pink-</a:t>
+            </a:r>
+            <a:r>
+              <a:rPr lang="en-US" dirty="0" err="1">
+                <a:solidFill>
+                  <a:schemeClr val="accent1">
+                    <a:lumMod val="75000"/>
+                  </a:schemeClr>
+                </a:solidFill>
+                <a:latin typeface="Times New Roman" panose="02020603050405020304" pitchFamily="18" charset="0"/>
+                <a:cs typeface="Times New Roman" panose="02020603050405020304" pitchFamily="18" charset="0"/>
+              </a:rPr>
+              <a:t>ish</a:t>
+            </a:r>
+            <a:r>
+              <a:rPr lang="en-US" dirty="0">
+                <a:solidFill>
+                  <a:schemeClr val="accent1">
+                    <a:lumMod val="75000"/>
+                  </a:schemeClr>
+                </a:solidFill>
+                <a:latin typeface="Times New Roman" panose="02020603050405020304" pitchFamily="18" charset="0"/>
+                <a:cs typeface="Times New Roman" panose="02020603050405020304" pitchFamily="18" charset="0"/>
+              </a:rPr>
+              <a:t> = 0.69</a:t>
+            </a:r>
+          </a:p>
+          <a:p>
+            <a:pPr lvl="2"/>
+            <a:r>
+              <a:rPr lang="en-US" dirty="0">
+                <a:solidFill>
+                  <a:schemeClr val="accent1">
+                    <a:lumMod val="75000"/>
+                  </a:schemeClr>
+                </a:solidFill>
+                <a:latin typeface="Times New Roman" panose="02020603050405020304" pitchFamily="18" charset="0"/>
+                <a:cs typeface="Times New Roman" panose="02020603050405020304" pitchFamily="18" charset="0"/>
+              </a:rPr>
+              <a:t>purple-</a:t>
+            </a:r>
+            <a:r>
+              <a:rPr lang="en-US" dirty="0" err="1">
+                <a:solidFill>
+                  <a:schemeClr val="accent1">
+                    <a:lumMod val="75000"/>
+                  </a:schemeClr>
+                </a:solidFill>
+                <a:latin typeface="Times New Roman" panose="02020603050405020304" pitchFamily="18" charset="0"/>
+                <a:cs typeface="Times New Roman" panose="02020603050405020304" pitchFamily="18" charset="0"/>
+              </a:rPr>
+              <a:t>ish</a:t>
+            </a:r>
+            <a:r>
+              <a:rPr lang="en-US" dirty="0">
+                <a:solidFill>
+                  <a:schemeClr val="accent1">
+                    <a:lumMod val="75000"/>
+                  </a:schemeClr>
+                </a:solidFill>
+                <a:latin typeface="Times New Roman" panose="02020603050405020304" pitchFamily="18" charset="0"/>
+                <a:cs typeface="Times New Roman" panose="02020603050405020304" pitchFamily="18" charset="0"/>
+              </a:rPr>
+              <a:t> = 0.86</a:t>
+            </a:r>
+          </a:p>
+          <a:p>
+            <a:pPr lvl="2"/>
+            <a:r>
+              <a:rPr lang="en-US" dirty="0">
+                <a:solidFill>
+                  <a:schemeClr val="accent1">
+                    <a:lumMod val="75000"/>
+                  </a:schemeClr>
+                </a:solidFill>
+                <a:latin typeface="Times New Roman" panose="02020603050405020304" pitchFamily="18" charset="0"/>
+                <a:cs typeface="Times New Roman" panose="02020603050405020304" pitchFamily="18" charset="0"/>
+              </a:rPr>
+              <a:t>red-</a:t>
+            </a:r>
+            <a:r>
+              <a:rPr lang="en-US" dirty="0" err="1">
+                <a:solidFill>
+                  <a:schemeClr val="accent1">
+                    <a:lumMod val="75000"/>
+                  </a:schemeClr>
+                </a:solidFill>
+                <a:latin typeface="Times New Roman" panose="02020603050405020304" pitchFamily="18" charset="0"/>
+                <a:cs typeface="Times New Roman" panose="02020603050405020304" pitchFamily="18" charset="0"/>
+              </a:rPr>
+              <a:t>ish</a:t>
+            </a:r>
+            <a:r>
+              <a:rPr lang="en-US" dirty="0">
+                <a:solidFill>
+                  <a:schemeClr val="accent1">
+                    <a:lumMod val="75000"/>
+                  </a:schemeClr>
+                </a:solidFill>
+                <a:latin typeface="Times New Roman" panose="02020603050405020304" pitchFamily="18" charset="0"/>
+                <a:cs typeface="Times New Roman" panose="02020603050405020304" pitchFamily="18" charset="0"/>
+              </a:rPr>
+              <a:t> = 0.82</a:t>
+            </a:r>
+          </a:p>
+          <a:p>
+            <a:pPr lvl="2"/>
+            <a:r>
+              <a:rPr lang="en-US" dirty="0">
+                <a:solidFill>
+                  <a:schemeClr val="accent1">
+                    <a:lumMod val="75000"/>
+                  </a:schemeClr>
+                </a:solidFill>
+                <a:latin typeface="Times New Roman" panose="02020603050405020304" pitchFamily="18" charset="0"/>
+                <a:cs typeface="Times New Roman" panose="02020603050405020304" pitchFamily="18" charset="0"/>
+              </a:rPr>
+              <a:t>yellow-</a:t>
+            </a:r>
+            <a:r>
+              <a:rPr lang="en-US" dirty="0" err="1">
+                <a:solidFill>
+                  <a:schemeClr val="accent1">
+                    <a:lumMod val="75000"/>
+                  </a:schemeClr>
+                </a:solidFill>
+                <a:latin typeface="Times New Roman" panose="02020603050405020304" pitchFamily="18" charset="0"/>
+                <a:cs typeface="Times New Roman" panose="02020603050405020304" pitchFamily="18" charset="0"/>
+              </a:rPr>
+              <a:t>ish</a:t>
+            </a:r>
+            <a:r>
+              <a:rPr lang="en-US" dirty="0">
+                <a:solidFill>
+                  <a:schemeClr val="accent1">
+                    <a:lumMod val="75000"/>
+                  </a:schemeClr>
+                </a:solidFill>
+                <a:latin typeface="Times New Roman" panose="02020603050405020304" pitchFamily="18" charset="0"/>
+                <a:cs typeface="Times New Roman" panose="02020603050405020304" pitchFamily="18" charset="0"/>
+              </a:rPr>
+              <a:t> = 0.80</a:t>
+            </a:r>
           </a:p>
         </p:txBody>
       </p:sp>

--- a/Color-Classifier.pptx
+++ b/Color-Classifier.pptx
@@ -3350,15 +3350,7 @@
           <a:lstStyle/>
           <a:p>
             <a:r>
-              <a:rPr lang="en-US" dirty="0">
-                <a:solidFill>
-                  <a:schemeClr val="accent1">
-                    <a:lumMod val="50000"/>
-                  </a:schemeClr>
-                </a:solidFill>
-                <a:latin typeface="Times New Roman" panose="02020603050405020304" pitchFamily="18" charset="0"/>
-                <a:cs typeface="Times New Roman" panose="02020603050405020304" pitchFamily="18" charset="0"/>
-              </a:rPr>
+              <a:rPr lang="en-US" dirty="0"/>
               <a:t>Color Classifier</a:t>
             </a:r>
           </a:p>
@@ -3386,15 +3378,7 @@
           <a:lstStyle/>
           <a:p>
             <a:r>
-              <a:rPr lang="en-US" dirty="0">
-                <a:solidFill>
-                  <a:schemeClr val="accent1">
-                    <a:lumMod val="75000"/>
-                  </a:schemeClr>
-                </a:solidFill>
-                <a:latin typeface="Times New Roman" panose="02020603050405020304" pitchFamily="18" charset="0"/>
-                <a:cs typeface="Times New Roman" panose="02020603050405020304" pitchFamily="18" charset="0"/>
-              </a:rPr>
+              <a:rPr lang="en-US" dirty="0"/>
               <a:t>by Adil Naqvi &amp; Karishma Ali</a:t>
             </a:r>
           </a:p>
@@ -3452,15 +3436,7 @@
           <a:lstStyle/>
           <a:p>
             <a:r>
-              <a:rPr lang="en-US" dirty="0">
-                <a:solidFill>
-                  <a:schemeClr val="accent1">
-                    <a:lumMod val="50000"/>
-                  </a:schemeClr>
-                </a:solidFill>
-                <a:latin typeface="Times New Roman" panose="02020603050405020304" pitchFamily="18" charset="0"/>
-                <a:cs typeface="Times New Roman" panose="02020603050405020304" pitchFamily="18" charset="0"/>
-              </a:rPr>
+              <a:rPr lang="en-US" dirty="0"/>
               <a:t>The Problem</a:t>
             </a:r>
           </a:p>
@@ -3488,43 +3464,19 @@
           <a:lstStyle/>
           <a:p>
             <a:r>
-              <a:rPr lang="en-US" dirty="0">
-                <a:solidFill>
-                  <a:schemeClr val="accent1">
-                    <a:lumMod val="75000"/>
-                  </a:schemeClr>
-                </a:solidFill>
-                <a:latin typeface="Times New Roman" panose="02020603050405020304" pitchFamily="18" charset="0"/>
-                <a:cs typeface="Times New Roman" panose="02020603050405020304" pitchFamily="18" charset="0"/>
-              </a:rPr>
+              <a:rPr lang="en-US" dirty="0"/>
               <a:t>Around 16 million colors in RGB space</a:t>
             </a:r>
           </a:p>
           <a:p>
             <a:r>
-              <a:rPr lang="en-US" dirty="0">
-                <a:solidFill>
-                  <a:schemeClr val="accent1">
-                    <a:lumMod val="75000"/>
-                  </a:schemeClr>
-                </a:solidFill>
-                <a:latin typeface="Times New Roman" panose="02020603050405020304" pitchFamily="18" charset="0"/>
-                <a:cs typeface="Times New Roman" panose="02020603050405020304" pitchFamily="18" charset="0"/>
-              </a:rPr>
+              <a:rPr lang="en-US" dirty="0"/>
               <a:t>Difficult to classify each RGB value manually</a:t>
             </a:r>
           </a:p>
           <a:p>
             <a:r>
-              <a:rPr lang="en-US" dirty="0">
-                <a:solidFill>
-                  <a:schemeClr val="accent1">
-                    <a:lumMod val="75000"/>
-                  </a:schemeClr>
-                </a:solidFill>
-                <a:latin typeface="Times New Roman" panose="02020603050405020304" pitchFamily="18" charset="0"/>
-                <a:cs typeface="Times New Roman" panose="02020603050405020304" pitchFamily="18" charset="0"/>
-              </a:rPr>
+              <a:rPr lang="en-US" dirty="0"/>
               <a:t>Need of a classifier</a:t>
             </a:r>
           </a:p>
@@ -3627,15 +3579,7 @@
           <a:lstStyle/>
           <a:p>
             <a:r>
-              <a:rPr lang="en-US" dirty="0">
-                <a:solidFill>
-                  <a:schemeClr val="accent1">
-                    <a:lumMod val="50000"/>
-                  </a:schemeClr>
-                </a:solidFill>
-                <a:latin typeface="Times New Roman" panose="02020603050405020304" pitchFamily="18" charset="0"/>
-                <a:cs typeface="Times New Roman" panose="02020603050405020304" pitchFamily="18" charset="0"/>
-              </a:rPr>
+              <a:rPr lang="en-US" dirty="0"/>
               <a:t>The Solution</a:t>
             </a:r>
           </a:p>
@@ -3663,15 +3607,7 @@
           <a:lstStyle/>
           <a:p>
             <a:r>
-              <a:rPr lang="en-US" dirty="0">
-                <a:solidFill>
-                  <a:schemeClr val="accent1">
-                    <a:lumMod val="75000"/>
-                  </a:schemeClr>
-                </a:solidFill>
-                <a:latin typeface="Times New Roman" panose="02020603050405020304" pitchFamily="18" charset="0"/>
-                <a:cs typeface="Times New Roman" panose="02020603050405020304" pitchFamily="18" charset="0"/>
-              </a:rPr>
+              <a:rPr lang="en-US" dirty="0"/>
               <a:t>3 steps</a:t>
             </a:r>
           </a:p>
@@ -3759,15 +3695,7 @@
           <a:lstStyle/>
           <a:p>
             <a:r>
-              <a:rPr lang="en-US" dirty="0">
-                <a:solidFill>
-                  <a:schemeClr val="accent1">
-                    <a:lumMod val="50000"/>
-                  </a:schemeClr>
-                </a:solidFill>
-                <a:latin typeface="Times New Roman" panose="02020603050405020304" pitchFamily="18" charset="0"/>
-                <a:cs typeface="Times New Roman" panose="02020603050405020304" pitchFamily="18" charset="0"/>
-              </a:rPr>
+              <a:rPr lang="en-US" dirty="0"/>
               <a:t>Data Collection</a:t>
             </a:r>
           </a:p>
@@ -3810,16 +3738,7 @@
               </a:spcBef>
             </a:pPr>
             <a:r>
-              <a:rPr lang="en-US" sz="2400" dirty="0">
-                <a:solidFill>
-                  <a:schemeClr val="accent1">
-                    <a:lumMod val="50000"/>
-                  </a:schemeClr>
-                </a:solidFill>
-                <a:latin typeface="Times New Roman" panose="02020603050405020304" pitchFamily="18" charset="0"/>
-                <a:ea typeface="+mj-ea"/>
-                <a:cs typeface="Times New Roman" panose="02020603050405020304" pitchFamily="18" charset="0"/>
-              </a:rPr>
+              <a:rPr lang="en-US" dirty="0"/>
               <a:t>Crowd-sourcing data</a:t>
             </a:r>
           </a:p>
@@ -3833,16 +3752,7 @@
               </a:spcBef>
             </a:pPr>
             <a:r>
-              <a:rPr lang="en-US" sz="2000" dirty="0">
-                <a:solidFill>
-                  <a:schemeClr val="accent1">
-                    <a:lumMod val="50000"/>
-                  </a:schemeClr>
-                </a:solidFill>
-                <a:latin typeface="Times New Roman" panose="02020603050405020304" pitchFamily="18" charset="0"/>
-                <a:ea typeface="+mj-ea"/>
-                <a:cs typeface="Times New Roman" panose="02020603050405020304" pitchFamily="18" charset="0"/>
-              </a:rPr>
+              <a:rPr lang="en-US" dirty="0"/>
               <a:t>RGB value + color label</a:t>
             </a:r>
           </a:p>
@@ -3856,29 +3766,11 @@
               </a:spcBef>
             </a:pPr>
             <a:r>
-              <a:rPr lang="en-US" sz="2400" dirty="0" err="1">
-                <a:solidFill>
-                  <a:schemeClr val="accent1">
-                    <a:lumMod val="50000"/>
-                  </a:schemeClr>
-                </a:solidFill>
-                <a:latin typeface="Times New Roman" panose="02020603050405020304" pitchFamily="18" charset="0"/>
-                <a:ea typeface="+mj-ea"/>
-                <a:cs typeface="Times New Roman" panose="02020603050405020304" pitchFamily="18" charset="0"/>
-              </a:rPr>
+              <a:rPr lang="en-US" dirty="0" err="1"/>
               <a:t>Github</a:t>
             </a:r>
             <a:r>
-              <a:rPr lang="en-US" sz="2400" dirty="0">
-                <a:solidFill>
-                  <a:schemeClr val="accent1">
-                    <a:lumMod val="50000"/>
-                  </a:schemeClr>
-                </a:solidFill>
-                <a:latin typeface="Times New Roman" panose="02020603050405020304" pitchFamily="18" charset="0"/>
-                <a:ea typeface="+mj-ea"/>
-                <a:cs typeface="Times New Roman" panose="02020603050405020304" pitchFamily="18" charset="0"/>
-              </a:rPr>
+              <a:rPr lang="en-US" dirty="0"/>
               <a:t> (hosting) + Firebase (database)</a:t>
             </a:r>
           </a:p>
@@ -3892,16 +3784,7 @@
               </a:spcBef>
             </a:pPr>
             <a:r>
-              <a:rPr lang="en-US" sz="2400" dirty="0">
-                <a:solidFill>
-                  <a:schemeClr val="accent1">
-                    <a:lumMod val="50000"/>
-                  </a:schemeClr>
-                </a:solidFill>
-                <a:latin typeface="Times New Roman" panose="02020603050405020304" pitchFamily="18" charset="0"/>
-                <a:ea typeface="+mj-ea"/>
-                <a:cs typeface="Times New Roman" panose="02020603050405020304" pitchFamily="18" charset="0"/>
-              </a:rPr>
+              <a:rPr lang="en-US" dirty="0"/>
               <a:t>sahnbk.github.com</a:t>
             </a:r>
           </a:p>
@@ -3915,16 +3798,7 @@
               </a:spcBef>
             </a:pPr>
             <a:r>
-              <a:rPr lang="en-US" sz="2400" dirty="0">
-                <a:solidFill>
-                  <a:schemeClr val="accent1">
-                    <a:lumMod val="50000"/>
-                  </a:schemeClr>
-                </a:solidFill>
-                <a:latin typeface="Times New Roman" panose="02020603050405020304" pitchFamily="18" charset="0"/>
-                <a:ea typeface="+mj-ea"/>
-                <a:cs typeface="Times New Roman" panose="02020603050405020304" pitchFamily="18" charset="0"/>
-              </a:rPr>
+              <a:rPr lang="en-US" dirty="0"/>
               <a:t>5000+ responses</a:t>
             </a:r>
           </a:p>
@@ -3938,16 +3812,7 @@
               </a:spcBef>
             </a:pPr>
             <a:r>
-              <a:rPr lang="en-US" sz="2400" dirty="0">
-                <a:solidFill>
-                  <a:schemeClr val="accent1">
-                    <a:lumMod val="50000"/>
-                  </a:schemeClr>
-                </a:solidFill>
-                <a:latin typeface="Times New Roman" panose="02020603050405020304" pitchFamily="18" charset="0"/>
-                <a:ea typeface="+mj-ea"/>
-                <a:cs typeface="Times New Roman" panose="02020603050405020304" pitchFamily="18" charset="0"/>
-              </a:rPr>
+              <a:rPr lang="en-US" dirty="0"/>
               <a:t>9 classes</a:t>
             </a:r>
           </a:p>
@@ -4215,15 +4080,7 @@
           <a:lstStyle/>
           <a:p>
             <a:r>
-              <a:rPr lang="en-US" dirty="0">
-                <a:solidFill>
-                  <a:schemeClr val="accent1">
-                    <a:lumMod val="50000"/>
-                  </a:schemeClr>
-                </a:solidFill>
-                <a:latin typeface="Times New Roman" panose="02020603050405020304" pitchFamily="18" charset="0"/>
-                <a:cs typeface="Times New Roman" panose="02020603050405020304" pitchFamily="18" charset="0"/>
-              </a:rPr>
+              <a:rPr lang="en-US" dirty="0"/>
               <a:t>Preprocessing</a:t>
             </a:r>
           </a:p>
@@ -4251,15 +4108,7 @@
           <a:lstStyle/>
           <a:p>
             <a:r>
-              <a:rPr lang="en-US" dirty="0">
-                <a:solidFill>
-                  <a:schemeClr val="accent1">
-                    <a:lumMod val="75000"/>
-                  </a:schemeClr>
-                </a:solidFill>
-                <a:latin typeface="Times New Roman" panose="02020603050405020304" pitchFamily="18" charset="0"/>
-                <a:cs typeface="Times New Roman" panose="02020603050405020304" pitchFamily="18" charset="0"/>
-              </a:rPr>
+              <a:rPr lang="en-US" dirty="0"/>
               <a:t>Cleaning (done manually)</a:t>
             </a:r>
           </a:p>
@@ -4295,29 +4144,13 @@
           </a:p>
           <a:p>
             <a:r>
-              <a:rPr lang="en-US" dirty="0">
-                <a:solidFill>
-                  <a:schemeClr val="accent1">
-                    <a:lumMod val="75000"/>
-                  </a:schemeClr>
-                </a:solidFill>
-                <a:latin typeface="Times New Roman" panose="02020603050405020304" pitchFamily="18" charset="0"/>
-                <a:cs typeface="Times New Roman" panose="02020603050405020304" pitchFamily="18" charset="0"/>
-              </a:rPr>
+              <a:rPr lang="en-US" dirty="0"/>
               <a:t>Approx. 4800 entries after cleaning</a:t>
             </a:r>
           </a:p>
           <a:p>
             <a:r>
-              <a:rPr lang="en-US" dirty="0">
-                <a:solidFill>
-                  <a:schemeClr val="accent1">
-                    <a:lumMod val="75000"/>
-                  </a:schemeClr>
-                </a:solidFill>
-                <a:latin typeface="Times New Roman" panose="02020603050405020304" pitchFamily="18" charset="0"/>
-                <a:cs typeface="Times New Roman" panose="02020603050405020304" pitchFamily="18" charset="0"/>
-              </a:rPr>
+              <a:rPr lang="en-US" dirty="0"/>
               <a:t>Converted to .csv file</a:t>
             </a:r>
           </a:p>
@@ -4615,15 +4448,7 @@
           <a:lstStyle/>
           <a:p>
             <a:r>
-              <a:rPr lang="en-US" dirty="0">
-                <a:solidFill>
-                  <a:schemeClr val="accent1">
-                    <a:lumMod val="50000"/>
-                  </a:schemeClr>
-                </a:solidFill>
-                <a:latin typeface="Times New Roman" panose="02020603050405020304" pitchFamily="18" charset="0"/>
-                <a:cs typeface="Times New Roman" panose="02020603050405020304" pitchFamily="18" charset="0"/>
-              </a:rPr>
+              <a:rPr lang="en-US" dirty="0"/>
               <a:t>Building a classifier</a:t>
             </a:r>
           </a:p>
@@ -4651,58 +4476,54 @@
           <a:lstStyle/>
           <a:p>
             <a:r>
-              <a:rPr lang="en-US" dirty="0">
-                <a:solidFill>
-                  <a:schemeClr val="accent1">
-                    <a:lumMod val="75000"/>
-                  </a:schemeClr>
-                </a:solidFill>
-                <a:latin typeface="Times New Roman" panose="02020603050405020304" pitchFamily="18" charset="0"/>
-                <a:cs typeface="Times New Roman" panose="02020603050405020304" pitchFamily="18" charset="0"/>
-              </a:rPr>
-              <a:t>Neural network classifier</a:t>
-            </a:r>
-          </a:p>
-          <a:p>
-            <a:r>
-              <a:rPr lang="en-US" dirty="0">
-                <a:solidFill>
-                  <a:schemeClr val="accent1">
-                    <a:lumMod val="75000"/>
-                  </a:schemeClr>
-                </a:solidFill>
-                <a:latin typeface="Times New Roman" panose="02020603050405020304" pitchFamily="18" charset="0"/>
-                <a:cs typeface="Times New Roman" panose="02020603050405020304" pitchFamily="18" charset="0"/>
-              </a:rPr>
+              <a:rPr lang="en-US" dirty="0"/>
+              <a:t>Neural network classifier (</a:t>
+            </a:r>
+            <a:r>
+              <a:rPr lang="en-US" dirty="0" err="1"/>
+              <a:t>sklearn</a:t>
+            </a:r>
+            <a:r>
+              <a:rPr lang="en-US" dirty="0"/>
+              <a:t>)</a:t>
+            </a:r>
+          </a:p>
+          <a:p>
+            <a:r>
+              <a:rPr lang="en-US" dirty="0"/>
               <a:t>1 input layer (3 nodes)</a:t>
             </a:r>
           </a:p>
           <a:p>
             <a:r>
-              <a:rPr lang="en-US" dirty="0">
-                <a:solidFill>
-                  <a:schemeClr val="accent1">
-                    <a:lumMod val="75000"/>
-                  </a:schemeClr>
-                </a:solidFill>
-                <a:latin typeface="Times New Roman" panose="02020603050405020304" pitchFamily="18" charset="0"/>
-                <a:cs typeface="Times New Roman" panose="02020603050405020304" pitchFamily="18" charset="0"/>
-              </a:rPr>
+              <a:rPr lang="en-US" dirty="0"/>
               <a:t>1 hidden layer (6* nodes)</a:t>
             </a:r>
           </a:p>
           <a:p>
             <a:r>
-              <a:rPr lang="en-US" dirty="0">
-                <a:solidFill>
-                  <a:schemeClr val="accent1">
-                    <a:lumMod val="75000"/>
-                  </a:schemeClr>
-                </a:solidFill>
-                <a:latin typeface="Times New Roman" panose="02020603050405020304" pitchFamily="18" charset="0"/>
-                <a:cs typeface="Times New Roman" panose="02020603050405020304" pitchFamily="18" charset="0"/>
-              </a:rPr>
+              <a:rPr lang="en-US" dirty="0"/>
               <a:t>1 output nodes (9 nodes)</a:t>
+            </a:r>
+          </a:p>
+          <a:p>
+            <a:r>
+              <a:rPr lang="en-US" dirty="0"/>
+              <a:t>Learning rate = 0.01</a:t>
+            </a:r>
+          </a:p>
+          <a:p>
+            <a:r>
+              <a:rPr lang="en-US" dirty="0"/>
+              <a:t>Activation = sigmoid </a:t>
+            </a:r>
+            <a:r>
+              <a:rPr lang="en-US" dirty="0" err="1"/>
+              <a:t>func</a:t>
+            </a:r>
+            <a:r>
+              <a:rPr lang="en-US" dirty="0"/>
+              <a:t>.</a:t>
             </a:r>
           </a:p>
           <a:p>
@@ -4813,15 +4634,7 @@
           <a:lstStyle/>
           <a:p>
             <a:r>
-              <a:rPr lang="en-US" dirty="0">
-                <a:solidFill>
-                  <a:schemeClr val="accent1">
-                    <a:lumMod val="50000"/>
-                  </a:schemeClr>
-                </a:solidFill>
-                <a:latin typeface="Times New Roman" panose="02020603050405020304" pitchFamily="18" charset="0"/>
-                <a:cs typeface="Times New Roman" panose="02020603050405020304" pitchFamily="18" charset="0"/>
-              </a:rPr>
+              <a:rPr lang="en-US" dirty="0"/>
               <a:t>Results</a:t>
             </a:r>
           </a:p>
@@ -4849,396 +4662,156 @@
           <a:lstStyle/>
           <a:p>
             <a:r>
-              <a:rPr lang="en-US" dirty="0">
-                <a:solidFill>
-                  <a:schemeClr val="accent1">
-                    <a:lumMod val="75000"/>
-                  </a:schemeClr>
-                </a:solidFill>
-                <a:latin typeface="Times New Roman" panose="02020603050405020304" pitchFamily="18" charset="0"/>
-                <a:cs typeface="Times New Roman" panose="02020603050405020304" pitchFamily="18" charset="0"/>
-              </a:rPr>
+              <a:rPr lang="en-US" dirty="0"/>
               <a:t>Efficiency measures</a:t>
             </a:r>
           </a:p>
           <a:p>
             <a:pPr lvl="1"/>
             <a:r>
-              <a:rPr lang="en-US" dirty="0">
-                <a:solidFill>
-                  <a:schemeClr val="accent1">
-                    <a:lumMod val="75000"/>
-                  </a:schemeClr>
-                </a:solidFill>
-                <a:latin typeface="Times New Roman" panose="02020603050405020304" pitchFamily="18" charset="0"/>
-                <a:cs typeface="Times New Roman" panose="02020603050405020304" pitchFamily="18" charset="0"/>
-              </a:rPr>
+              <a:rPr lang="en-US" dirty="0"/>
               <a:t>Accuracy (83.1%)</a:t>
             </a:r>
           </a:p>
           <a:p>
             <a:pPr lvl="1"/>
             <a:r>
-              <a:rPr lang="en-US" dirty="0">
-                <a:solidFill>
-                  <a:schemeClr val="accent1">
-                    <a:lumMod val="75000"/>
-                  </a:schemeClr>
-                </a:solidFill>
-                <a:latin typeface="Times New Roman" panose="02020603050405020304" pitchFamily="18" charset="0"/>
-                <a:cs typeface="Times New Roman" panose="02020603050405020304" pitchFamily="18" charset="0"/>
-              </a:rPr>
+              <a:rPr lang="en-US" dirty="0"/>
               <a:t>F1 scores</a:t>
             </a:r>
           </a:p>
           <a:p>
             <a:pPr lvl="2"/>
             <a:r>
-              <a:rPr lang="en-US" dirty="0">
-                <a:solidFill>
-                  <a:schemeClr val="accent1">
-                    <a:lumMod val="75000"/>
-                  </a:schemeClr>
-                </a:solidFill>
-                <a:latin typeface="Times New Roman" panose="02020603050405020304" pitchFamily="18" charset="0"/>
-                <a:cs typeface="Times New Roman" panose="02020603050405020304" pitchFamily="18" charset="0"/>
-              </a:rPr>
+              <a:rPr lang="en-US" dirty="0"/>
               <a:t>blue-</a:t>
             </a:r>
             <a:r>
-              <a:rPr lang="en-US" dirty="0" err="1">
-                <a:solidFill>
-                  <a:schemeClr val="accent1">
-                    <a:lumMod val="75000"/>
-                  </a:schemeClr>
-                </a:solidFill>
-                <a:latin typeface="Times New Roman" panose="02020603050405020304" pitchFamily="18" charset="0"/>
-                <a:cs typeface="Times New Roman" panose="02020603050405020304" pitchFamily="18" charset="0"/>
-              </a:rPr>
+              <a:rPr lang="en-US" dirty="0" err="1"/>
               <a:t>ish</a:t>
             </a:r>
             <a:r>
-              <a:rPr lang="en-US" dirty="0">
-                <a:solidFill>
-                  <a:schemeClr val="accent1">
-                    <a:lumMod val="75000"/>
-                  </a:schemeClr>
-                </a:solidFill>
-                <a:latin typeface="Times New Roman" panose="02020603050405020304" pitchFamily="18" charset="0"/>
-                <a:cs typeface="Times New Roman" panose="02020603050405020304" pitchFamily="18" charset="0"/>
-              </a:rPr>
+              <a:rPr lang="en-US" dirty="0"/>
               <a:t> = 0.88</a:t>
             </a:r>
           </a:p>
           <a:p>
             <a:pPr lvl="2"/>
             <a:r>
-              <a:rPr lang="en-US" dirty="0">
-                <a:solidFill>
-                  <a:schemeClr val="accent1">
-                    <a:lumMod val="75000"/>
-                  </a:schemeClr>
-                </a:solidFill>
-                <a:latin typeface="Times New Roman" panose="02020603050405020304" pitchFamily="18" charset="0"/>
-                <a:cs typeface="Times New Roman" panose="02020603050405020304" pitchFamily="18" charset="0"/>
-              </a:rPr>
+              <a:rPr lang="en-US" dirty="0"/>
               <a:t>brown-</a:t>
             </a:r>
             <a:r>
-              <a:rPr lang="en-US" dirty="0" err="1">
-                <a:solidFill>
-                  <a:schemeClr val="accent1">
-                    <a:lumMod val="75000"/>
-                  </a:schemeClr>
-                </a:solidFill>
-                <a:latin typeface="Times New Roman" panose="02020603050405020304" pitchFamily="18" charset="0"/>
-                <a:cs typeface="Times New Roman" panose="02020603050405020304" pitchFamily="18" charset="0"/>
-              </a:rPr>
+              <a:rPr lang="en-US" dirty="0" err="1"/>
               <a:t>ish</a:t>
             </a:r>
             <a:r>
-              <a:rPr lang="en-US" dirty="0">
-                <a:solidFill>
-                  <a:schemeClr val="accent1">
-                    <a:lumMod val="75000"/>
-                  </a:schemeClr>
-                </a:solidFill>
-                <a:latin typeface="Times New Roman" panose="02020603050405020304" pitchFamily="18" charset="0"/>
-                <a:cs typeface="Times New Roman" panose="02020603050405020304" pitchFamily="18" charset="0"/>
-              </a:rPr>
+              <a:rPr lang="en-US" dirty="0"/>
               <a:t> = 0.74</a:t>
             </a:r>
           </a:p>
           <a:p>
             <a:pPr lvl="2"/>
             <a:r>
-              <a:rPr lang="en-US" dirty="0">
-                <a:solidFill>
-                  <a:schemeClr val="accent1">
-                    <a:lumMod val="75000"/>
-                  </a:schemeClr>
-                </a:solidFill>
-                <a:latin typeface="Times New Roman" panose="02020603050405020304" pitchFamily="18" charset="0"/>
-                <a:cs typeface="Times New Roman" panose="02020603050405020304" pitchFamily="18" charset="0"/>
-              </a:rPr>
+              <a:rPr lang="en-US" dirty="0"/>
               <a:t>green-</a:t>
             </a:r>
             <a:r>
-              <a:rPr lang="en-US" dirty="0" err="1">
-                <a:solidFill>
-                  <a:schemeClr val="accent1">
-                    <a:lumMod val="75000"/>
-                  </a:schemeClr>
-                </a:solidFill>
-                <a:latin typeface="Times New Roman" panose="02020603050405020304" pitchFamily="18" charset="0"/>
-                <a:cs typeface="Times New Roman" panose="02020603050405020304" pitchFamily="18" charset="0"/>
-              </a:rPr>
+              <a:rPr lang="en-US" dirty="0" err="1"/>
               <a:t>ish</a:t>
             </a:r>
             <a:r>
-              <a:rPr lang="en-US" dirty="0">
-                <a:solidFill>
-                  <a:schemeClr val="accent1">
-                    <a:lumMod val="75000"/>
-                  </a:schemeClr>
-                </a:solidFill>
-                <a:latin typeface="Times New Roman" panose="02020603050405020304" pitchFamily="18" charset="0"/>
-                <a:cs typeface="Times New Roman" panose="02020603050405020304" pitchFamily="18" charset="0"/>
-              </a:rPr>
+              <a:rPr lang="en-US" dirty="0"/>
               <a:t> = 0.93</a:t>
             </a:r>
           </a:p>
           <a:p>
             <a:pPr lvl="2"/>
             <a:r>
-              <a:rPr lang="en-US" dirty="0">
-                <a:solidFill>
-                  <a:schemeClr val="accent1">
-                    <a:lumMod val="75000"/>
-                  </a:schemeClr>
-                </a:solidFill>
-                <a:latin typeface="Times New Roman" panose="02020603050405020304" pitchFamily="18" charset="0"/>
-                <a:cs typeface="Times New Roman" panose="02020603050405020304" pitchFamily="18" charset="0"/>
-              </a:rPr>
+              <a:rPr lang="en-US" dirty="0"/>
               <a:t>grey-</a:t>
             </a:r>
             <a:r>
-              <a:rPr lang="en-US" dirty="0" err="1">
-                <a:solidFill>
-                  <a:schemeClr val="accent1">
-                    <a:lumMod val="75000"/>
-                  </a:schemeClr>
-                </a:solidFill>
-                <a:latin typeface="Times New Roman" panose="02020603050405020304" pitchFamily="18" charset="0"/>
-                <a:cs typeface="Times New Roman" panose="02020603050405020304" pitchFamily="18" charset="0"/>
-              </a:rPr>
+              <a:rPr lang="en-US" dirty="0" err="1"/>
               <a:t>ish</a:t>
             </a:r>
             <a:r>
-              <a:rPr lang="en-US" dirty="0">
-                <a:solidFill>
-                  <a:schemeClr val="accent1">
-                    <a:lumMod val="75000"/>
-                  </a:schemeClr>
-                </a:solidFill>
-                <a:latin typeface="Times New Roman" panose="02020603050405020304" pitchFamily="18" charset="0"/>
-                <a:cs typeface="Times New Roman" panose="02020603050405020304" pitchFamily="18" charset="0"/>
-              </a:rPr>
+              <a:rPr lang="en-US" dirty="0"/>
               <a:t> = 0.37</a:t>
             </a:r>
           </a:p>
           <a:p>
             <a:pPr lvl="2"/>
             <a:r>
-              <a:rPr lang="en-US" dirty="0">
-                <a:solidFill>
-                  <a:schemeClr val="accent1">
-                    <a:lumMod val="75000"/>
-                  </a:schemeClr>
-                </a:solidFill>
-                <a:latin typeface="Times New Roman" panose="02020603050405020304" pitchFamily="18" charset="0"/>
-                <a:cs typeface="Times New Roman" panose="02020603050405020304" pitchFamily="18" charset="0"/>
-              </a:rPr>
+              <a:rPr lang="en-US" dirty="0"/>
               <a:t>orange-</a:t>
             </a:r>
             <a:r>
-              <a:rPr lang="en-US" dirty="0" err="1">
-                <a:solidFill>
-                  <a:schemeClr val="accent1">
-                    <a:lumMod val="75000"/>
-                  </a:schemeClr>
-                </a:solidFill>
-                <a:latin typeface="Times New Roman" panose="02020603050405020304" pitchFamily="18" charset="0"/>
-                <a:cs typeface="Times New Roman" panose="02020603050405020304" pitchFamily="18" charset="0"/>
-              </a:rPr>
+              <a:rPr lang="en-US" dirty="0" err="1"/>
               <a:t>ish</a:t>
             </a:r>
             <a:r>
-              <a:rPr lang="en-US" dirty="0">
-                <a:solidFill>
-                  <a:schemeClr val="accent1">
-                    <a:lumMod val="75000"/>
-                  </a:schemeClr>
-                </a:solidFill>
-                <a:latin typeface="Times New Roman" panose="02020603050405020304" pitchFamily="18" charset="0"/>
-                <a:cs typeface="Times New Roman" panose="02020603050405020304" pitchFamily="18" charset="0"/>
-              </a:rPr>
+              <a:rPr lang="en-US" dirty="0"/>
               <a:t> = 0.68</a:t>
             </a:r>
           </a:p>
           <a:p>
             <a:pPr lvl="2"/>
             <a:r>
-              <a:rPr lang="en-US" dirty="0">
-                <a:solidFill>
-                  <a:schemeClr val="accent1">
-                    <a:lumMod val="75000"/>
-                  </a:schemeClr>
-                </a:solidFill>
-                <a:latin typeface="Times New Roman" panose="02020603050405020304" pitchFamily="18" charset="0"/>
-                <a:cs typeface="Times New Roman" panose="02020603050405020304" pitchFamily="18" charset="0"/>
-              </a:rPr>
+              <a:rPr lang="en-US" dirty="0"/>
               <a:t>pink-</a:t>
             </a:r>
             <a:r>
-              <a:rPr lang="en-US" dirty="0" err="1">
-                <a:solidFill>
-                  <a:schemeClr val="accent1">
-                    <a:lumMod val="75000"/>
-                  </a:schemeClr>
-                </a:solidFill>
-                <a:latin typeface="Times New Roman" panose="02020603050405020304" pitchFamily="18" charset="0"/>
-                <a:cs typeface="Times New Roman" panose="02020603050405020304" pitchFamily="18" charset="0"/>
-              </a:rPr>
+              <a:rPr lang="en-US" dirty="0" err="1"/>
               <a:t>ish</a:t>
             </a:r>
             <a:r>
-              <a:rPr lang="en-US" dirty="0">
-                <a:solidFill>
-                  <a:schemeClr val="accent1">
-                    <a:lumMod val="75000"/>
-                  </a:schemeClr>
-                </a:solidFill>
-                <a:latin typeface="Times New Roman" panose="02020603050405020304" pitchFamily="18" charset="0"/>
-                <a:cs typeface="Times New Roman" panose="02020603050405020304" pitchFamily="18" charset="0"/>
-              </a:rPr>
+              <a:rPr lang="en-US" dirty="0"/>
               <a:t> = 0.69</a:t>
             </a:r>
           </a:p>
           <a:p>
             <a:pPr lvl="2"/>
             <a:r>
-              <a:rPr lang="en-US" dirty="0">
-                <a:solidFill>
-                  <a:schemeClr val="accent1">
-                    <a:lumMod val="75000"/>
-                  </a:schemeClr>
-                </a:solidFill>
-                <a:latin typeface="Times New Roman" panose="02020603050405020304" pitchFamily="18" charset="0"/>
-                <a:cs typeface="Times New Roman" panose="02020603050405020304" pitchFamily="18" charset="0"/>
-              </a:rPr>
+              <a:rPr lang="en-US" dirty="0"/>
               <a:t>purple-</a:t>
             </a:r>
             <a:r>
-              <a:rPr lang="en-US" dirty="0" err="1">
-                <a:solidFill>
-                  <a:schemeClr val="accent1">
-                    <a:lumMod val="75000"/>
-                  </a:schemeClr>
-                </a:solidFill>
-                <a:latin typeface="Times New Roman" panose="02020603050405020304" pitchFamily="18" charset="0"/>
-                <a:cs typeface="Times New Roman" panose="02020603050405020304" pitchFamily="18" charset="0"/>
-              </a:rPr>
+              <a:rPr lang="en-US" dirty="0" err="1"/>
               <a:t>ish</a:t>
             </a:r>
             <a:r>
-              <a:rPr lang="en-US" dirty="0">
-                <a:solidFill>
-                  <a:schemeClr val="accent1">
-                    <a:lumMod val="75000"/>
-                  </a:schemeClr>
-                </a:solidFill>
-                <a:latin typeface="Times New Roman" panose="02020603050405020304" pitchFamily="18" charset="0"/>
-                <a:cs typeface="Times New Roman" panose="02020603050405020304" pitchFamily="18" charset="0"/>
-              </a:rPr>
+              <a:rPr lang="en-US" dirty="0"/>
               <a:t> = 0.86</a:t>
             </a:r>
           </a:p>
           <a:p>
             <a:pPr lvl="2"/>
             <a:r>
-              <a:rPr lang="en-US" dirty="0">
-                <a:solidFill>
-                  <a:schemeClr val="accent1">
-                    <a:lumMod val="75000"/>
-                  </a:schemeClr>
-                </a:solidFill>
-                <a:latin typeface="Times New Roman" panose="02020603050405020304" pitchFamily="18" charset="0"/>
-                <a:cs typeface="Times New Roman" panose="02020603050405020304" pitchFamily="18" charset="0"/>
-              </a:rPr>
+              <a:rPr lang="en-US" dirty="0"/>
               <a:t>red-</a:t>
             </a:r>
             <a:r>
-              <a:rPr lang="en-US" dirty="0" err="1">
-                <a:solidFill>
-                  <a:schemeClr val="accent1">
-                    <a:lumMod val="75000"/>
-                  </a:schemeClr>
-                </a:solidFill>
-                <a:latin typeface="Times New Roman" panose="02020603050405020304" pitchFamily="18" charset="0"/>
-                <a:cs typeface="Times New Roman" panose="02020603050405020304" pitchFamily="18" charset="0"/>
-              </a:rPr>
+              <a:rPr lang="en-US" dirty="0" err="1"/>
               <a:t>ish</a:t>
             </a:r>
             <a:r>
-              <a:rPr lang="en-US" dirty="0">
-                <a:solidFill>
-                  <a:schemeClr val="accent1">
-                    <a:lumMod val="75000"/>
-                  </a:schemeClr>
-                </a:solidFill>
-                <a:latin typeface="Times New Roman" panose="02020603050405020304" pitchFamily="18" charset="0"/>
-                <a:cs typeface="Times New Roman" panose="02020603050405020304" pitchFamily="18" charset="0"/>
-              </a:rPr>
+              <a:rPr lang="en-US" dirty="0"/>
               <a:t> = 0.82</a:t>
             </a:r>
           </a:p>
           <a:p>
             <a:pPr lvl="2"/>
             <a:r>
-              <a:rPr lang="en-US" dirty="0">
-                <a:solidFill>
-                  <a:schemeClr val="accent1">
-                    <a:lumMod val="75000"/>
-                  </a:schemeClr>
-                </a:solidFill>
-                <a:latin typeface="Times New Roman" panose="02020603050405020304" pitchFamily="18" charset="0"/>
-                <a:cs typeface="Times New Roman" panose="02020603050405020304" pitchFamily="18" charset="0"/>
-              </a:rPr>
+              <a:rPr lang="en-US" dirty="0"/>
               <a:t>yellow-</a:t>
             </a:r>
             <a:r>
-              <a:rPr lang="en-US" dirty="0" err="1">
-                <a:solidFill>
-                  <a:schemeClr val="accent1">
-                    <a:lumMod val="75000"/>
-                  </a:schemeClr>
-                </a:solidFill>
-                <a:latin typeface="Times New Roman" panose="02020603050405020304" pitchFamily="18" charset="0"/>
-                <a:cs typeface="Times New Roman" panose="02020603050405020304" pitchFamily="18" charset="0"/>
-              </a:rPr>
+              <a:rPr lang="en-US" dirty="0" err="1"/>
               <a:t>ish</a:t>
             </a:r>
             <a:r>
-              <a:rPr lang="en-US" dirty="0">
-                <a:solidFill>
-                  <a:schemeClr val="accent1">
-                    <a:lumMod val="75000"/>
-                  </a:schemeClr>
-                </a:solidFill>
-                <a:latin typeface="Times New Roman" panose="02020603050405020304" pitchFamily="18" charset="0"/>
-                <a:cs typeface="Times New Roman" panose="02020603050405020304" pitchFamily="18" charset="0"/>
-              </a:rPr>
+              <a:rPr lang="en-US" dirty="0"/>
               <a:t> = 0.80</a:t>
             </a:r>
           </a:p>

--- a/Color-Classifier.pptx
+++ b/Color-Classifier.pptx
@@ -111,6 +111,11 @@
       </a:defRPr>
     </a:lvl9pPr>
   </p:defaultTextStyle>
+  <p:extLst>
+    <p:ext uri="{EFAFB233-063F-42B5-8137-9DF3F51BA10A}">
+      <p15:sldGuideLst xmlns:p15="http://schemas.microsoft.com/office/powerpoint/2012/main"/>
+    </p:ext>
+  </p:extLst>
 </p:presentation>
 </file>
 
@@ -261,7 +266,7 @@
           <a:p>
             <a:fld id="{36DDECE6-3E41-486A-B0B0-D437FE4D59E5}" type="datetimeFigureOut">
               <a:rPr lang="en-US" smtClean="0"/>
-              <a:t>28-Jul-19</a:t>
+              <a:t>30-Jul-19</a:t>
             </a:fld>
             <a:endParaRPr lang="en-US"/>
           </a:p>
@@ -459,7 +464,7 @@
           <a:p>
             <a:fld id="{36DDECE6-3E41-486A-B0B0-D437FE4D59E5}" type="datetimeFigureOut">
               <a:rPr lang="en-US" smtClean="0"/>
-              <a:t>28-Jul-19</a:t>
+              <a:t>30-Jul-19</a:t>
             </a:fld>
             <a:endParaRPr lang="en-US"/>
           </a:p>
@@ -667,7 +672,7 @@
           <a:p>
             <a:fld id="{36DDECE6-3E41-486A-B0B0-D437FE4D59E5}" type="datetimeFigureOut">
               <a:rPr lang="en-US" smtClean="0"/>
-              <a:t>28-Jul-19</a:t>
+              <a:t>30-Jul-19</a:t>
             </a:fld>
             <a:endParaRPr lang="en-US"/>
           </a:p>
@@ -865,7 +870,7 @@
           <a:p>
             <a:fld id="{36DDECE6-3E41-486A-B0B0-D437FE4D59E5}" type="datetimeFigureOut">
               <a:rPr lang="en-US" smtClean="0"/>
-              <a:t>28-Jul-19</a:t>
+              <a:t>30-Jul-19</a:t>
             </a:fld>
             <a:endParaRPr lang="en-US"/>
           </a:p>
@@ -1140,7 +1145,7 @@
           <a:p>
             <a:fld id="{36DDECE6-3E41-486A-B0B0-D437FE4D59E5}" type="datetimeFigureOut">
               <a:rPr lang="en-US" smtClean="0"/>
-              <a:t>28-Jul-19</a:t>
+              <a:t>30-Jul-19</a:t>
             </a:fld>
             <a:endParaRPr lang="en-US"/>
           </a:p>
@@ -1405,7 +1410,7 @@
           <a:p>
             <a:fld id="{36DDECE6-3E41-486A-B0B0-D437FE4D59E5}" type="datetimeFigureOut">
               <a:rPr lang="en-US" smtClean="0"/>
-              <a:t>28-Jul-19</a:t>
+              <a:t>30-Jul-19</a:t>
             </a:fld>
             <a:endParaRPr lang="en-US"/>
           </a:p>
@@ -1817,7 +1822,7 @@
           <a:p>
             <a:fld id="{36DDECE6-3E41-486A-B0B0-D437FE4D59E5}" type="datetimeFigureOut">
               <a:rPr lang="en-US" smtClean="0"/>
-              <a:t>28-Jul-19</a:t>
+              <a:t>30-Jul-19</a:t>
             </a:fld>
             <a:endParaRPr lang="en-US"/>
           </a:p>
@@ -1958,7 +1963,7 @@
           <a:p>
             <a:fld id="{36DDECE6-3E41-486A-B0B0-D437FE4D59E5}" type="datetimeFigureOut">
               <a:rPr lang="en-US" smtClean="0"/>
-              <a:t>28-Jul-19</a:t>
+              <a:t>30-Jul-19</a:t>
             </a:fld>
             <a:endParaRPr lang="en-US"/>
           </a:p>
@@ -2071,7 +2076,7 @@
           <a:p>
             <a:fld id="{36DDECE6-3E41-486A-B0B0-D437FE4D59E5}" type="datetimeFigureOut">
               <a:rPr lang="en-US" smtClean="0"/>
-              <a:t>28-Jul-19</a:t>
+              <a:t>30-Jul-19</a:t>
             </a:fld>
             <a:endParaRPr lang="en-US"/>
           </a:p>
@@ -2382,7 +2387,7 @@
           <a:p>
             <a:fld id="{36DDECE6-3E41-486A-B0B0-D437FE4D59E5}" type="datetimeFigureOut">
               <a:rPr lang="en-US" smtClean="0"/>
-              <a:t>28-Jul-19</a:t>
+              <a:t>30-Jul-19</a:t>
             </a:fld>
             <a:endParaRPr lang="en-US"/>
           </a:p>
@@ -2670,7 +2675,7 @@
           <a:p>
             <a:fld id="{36DDECE6-3E41-486A-B0B0-D437FE4D59E5}" type="datetimeFigureOut">
               <a:rPr lang="en-US" smtClean="0"/>
-              <a:t>28-Jul-19</a:t>
+              <a:t>30-Jul-19</a:t>
             </a:fld>
             <a:endParaRPr lang="en-US"/>
           </a:p>
@@ -2911,7 +2916,7 @@
           <a:p>
             <a:fld id="{36DDECE6-3E41-486A-B0B0-D437FE4D59E5}" type="datetimeFigureOut">
               <a:rPr lang="en-US" smtClean="0"/>
-              <a:t>28-Jul-19</a:t>
+              <a:t>30-Jul-19</a:t>
             </a:fld>
             <a:endParaRPr lang="en-US"/>
           </a:p>
@@ -3720,12 +3725,12 @@
         <p:spPr>
           <a:xfrm>
             <a:off x="838200" y="1825624"/>
-            <a:ext cx="10515600" cy="2772879"/>
+            <a:ext cx="10515600" cy="3408984"/>
           </a:xfrm>
         </p:spPr>
         <p:txBody>
           <a:bodyPr>
-            <a:normAutofit/>
+            <a:normAutofit lnSpcReduction="10000"/>
           </a:bodyPr>
           <a:lstStyle/>
           <a:p>
@@ -3766,12 +3771,8 @@
               </a:spcBef>
             </a:pPr>
             <a:r>
-              <a:rPr lang="en-US" dirty="0" err="1"/>
-              <a:t>Github</a:t>
-            </a:r>
-            <a:r>
               <a:rPr lang="en-US" dirty="0"/>
-              <a:t> (hosting) + Firebase (database)</a:t>
+              <a:t>GitHub (hosting) + Firebase (database)</a:t>
             </a:r>
           </a:p>
           <a:p>
@@ -3799,7 +3800,7 @@
             </a:pPr>
             <a:r>
               <a:rPr lang="en-US" dirty="0"/>
-              <a:t>5000+ responses</a:t>
+              <a:t>5000+ entries</a:t>
             </a:r>
           </a:p>
           <a:p>
@@ -3813,7 +3814,35 @@
             </a:pPr>
             <a:r>
               <a:rPr lang="en-US" dirty="0"/>
+              <a:t>3 features</a:t>
+            </a:r>
+          </a:p>
+          <a:p>
+            <a:pPr>
+              <a:lnSpc>
+                <a:spcPct val="100000"/>
+              </a:lnSpc>
+              <a:spcBef>
+                <a:spcPct val="0"/>
+              </a:spcBef>
+            </a:pPr>
+            <a:r>
+              <a:rPr lang="en-US" dirty="0"/>
               <a:t>9 classes</a:t>
+            </a:r>
+          </a:p>
+          <a:p>
+            <a:pPr>
+              <a:lnSpc>
+                <a:spcPct val="100000"/>
+              </a:lnSpc>
+              <a:spcBef>
+                <a:spcPct val="0"/>
+              </a:spcBef>
+            </a:pPr>
+            <a:r>
+              <a:rPr lang="en-US" dirty="0"/>
+              <a:t>Format of one data entry:</a:t>
             </a:r>
           </a:p>
         </p:txBody>
@@ -3832,7 +3861,7 @@
         </p:nvSpPr>
         <p:spPr>
           <a:xfrm>
-            <a:off x="1994452" y="5234608"/>
+            <a:off x="1517373" y="5234608"/>
             <a:ext cx="8441636" cy="707886"/>
           </a:xfrm>
           <a:prstGeom prst="rect">
@@ -3846,11 +3875,12 @@
           </a:bodyPr>
           <a:lstStyle/>
           <a:p>
+            <a:pPr algn="ctr"/>
             <a:r>
               <a:rPr lang="en-US" sz="2000" dirty="0">
                 <a:latin typeface="Consolas" panose="020B0609020204030204" pitchFamily="49" charset="0"/>
               </a:rPr>
-              <a:t>LiEr39Fasd951e3:  {</a:t>
+              <a:t>{</a:t>
             </a:r>
             <a:r>
               <a:rPr lang="en-US" sz="2000" b="1" dirty="0">
@@ -4737,7 +4767,7 @@
             </a:r>
             <a:r>
               <a:rPr lang="en-US" dirty="0"/>
-              <a:t> = 0.37</a:t>
+              <a:t> = 0.68</a:t>
             </a:r>
           </a:p>
           <a:p>
@@ -4752,7 +4782,7 @@
             </a:r>
             <a:r>
               <a:rPr lang="en-US" dirty="0"/>
-              <a:t> = 0.68</a:t>
+              <a:t> = 0.71</a:t>
             </a:r>
           </a:p>
           <a:p>
@@ -4767,7 +4797,7 @@
             </a:r>
             <a:r>
               <a:rPr lang="en-US" dirty="0"/>
-              <a:t> = 0.69</a:t>
+              <a:t> = 0.75</a:t>
             </a:r>
           </a:p>
           <a:p>
